--- a/presentation.pptx
+++ b/presentation.pptx
@@ -108,6 +108,11 @@
       </a:defRPr>
     </a:lvl9pPr>
   </p:defaultTextStyle>
+  <p:extLst>
+    <p:ext uri="{EFAFB233-063F-42B5-8137-9DF3F51BA10A}">
+      <p15:sldGuideLst xmlns:p15="http://schemas.microsoft.com/office/powerpoint/2012/main"/>
+    </p:ext>
+  </p:extLst>
 </p:presentation>
 </file>
 
@@ -3816,8 +3821,8 @@
         </p:nvSpPr>
         <p:spPr>
           <a:xfrm>
-            <a:off x="888238" y="3786387"/>
-            <a:ext cx="10010030" cy="461665"/>
+            <a:off x="1055077" y="3786387"/>
+            <a:ext cx="10577145" cy="461665"/>
           </a:xfrm>
           <a:prstGeom prst="rect">
             <a:avLst/>
@@ -3832,7 +3837,7 @@
           <a:p>
             <a:r>
               <a:rPr lang="en-GB" sz="2400" dirty="0"/>
-              <a:t>A web app to help staff log visitors while not requiring obtrusive data collection</a:t>
+              <a:t>  A web app to help staff log visitors while not requiring obtrusive data collection</a:t>
             </a:r>
           </a:p>
         </p:txBody>

--- a/presentation.pptx
+++ b/presentation.pptx
@@ -8,8 +8,7 @@
     <p:sldId id="256" r:id="rId2"/>
     <p:sldId id="257" r:id="rId3"/>
     <p:sldId id="258" r:id="rId4"/>
-    <p:sldId id="260" r:id="rId5"/>
-    <p:sldId id="259" r:id="rId6"/>
+    <p:sldId id="259" r:id="rId5"/>
   </p:sldIdLst>
   <p:sldSz cx="12192000" cy="6858000"/>
   <p:notesSz cx="6858000" cy="9144000"/>
@@ -3821,8 +3820,8 @@
         </p:nvSpPr>
         <p:spPr>
           <a:xfrm>
-            <a:off x="1055077" y="3786387"/>
-            <a:ext cx="10577145" cy="461665"/>
+            <a:off x="7350369" y="5307457"/>
+            <a:ext cx="4434253" cy="461665"/>
           </a:xfrm>
           <a:prstGeom prst="rect">
             <a:avLst/>
@@ -3836,8 +3835,12 @@
           <a:lstStyle/>
           <a:p>
             <a:r>
-              <a:rPr lang="en-GB" sz="2400" dirty="0"/>
-              <a:t>  A web app to help staff log visitors while not requiring obtrusive data collection</a:t>
+              <a:rPr lang="en-GB" sz="2400" dirty="0">
+                <a:solidFill>
+                  <a:srgbClr val="C00000"/>
+                </a:solidFill>
+              </a:rPr>
+              <a:t>Team 2, Code for Good 2016</a:t>
             </a:r>
           </a:p>
         </p:txBody>
@@ -3884,6 +3887,35 @@
           </a:extLst>
         </p:spPr>
       </p:pic>
+      <p:sp>
+        <p:nvSpPr>
+          <p:cNvPr id="6" name="TextBox 5"/>
+          <p:cNvSpPr txBox="1"/>
+          <p:nvPr/>
+        </p:nvSpPr>
+        <p:spPr>
+          <a:xfrm>
+            <a:off x="1058008" y="3780525"/>
+            <a:ext cx="10577145" cy="461665"/>
+          </a:xfrm>
+          <a:prstGeom prst="rect">
+            <a:avLst/>
+          </a:prstGeom>
+          <a:noFill/>
+        </p:spPr>
+        <p:txBody>
+          <a:bodyPr wrap="square" rtlCol="0">
+            <a:spAutoFit/>
+          </a:bodyPr>
+          <a:lstStyle/>
+          <a:p>
+            <a:r>
+              <a:rPr lang="en-GB" sz="2400" dirty="0"/>
+              <a:t>  A web app to help staff log visitors while not requiring obtrusive data collection</a:t>
+            </a:r>
+          </a:p>
+        </p:txBody>
+      </p:sp>
     </p:spTree>
     <p:extLst>
       <p:ext uri="{BB962C8B-B14F-4D97-AF65-F5344CB8AC3E}">
@@ -3930,8 +3962,12 @@
           <a:lstStyle/>
           <a:p>
             <a:r>
-              <a:rPr lang="en-GB" dirty="0"/>
-              <a:t>design goals:</a:t>
+              <a:rPr lang="en-GB" dirty="0">
+                <a:solidFill>
+                  <a:srgbClr val="C00000"/>
+                </a:solidFill>
+              </a:rPr>
+              <a:t>design goals and requirements:</a:t>
             </a:r>
           </a:p>
         </p:txBody>
@@ -3946,7 +3982,12 @@
             <p:ph idx="1"/>
           </p:nvPr>
         </p:nvSpPr>
-        <p:spPr/>
+        <p:spPr>
+          <a:xfrm>
+            <a:off x="991772" y="2047957"/>
+            <a:ext cx="10058400" cy="4023360"/>
+          </a:xfrm>
+        </p:spPr>
         <p:txBody>
           <a:bodyPr/>
           <a:lstStyle/>
@@ -3954,49 +3995,46 @@
             <a:pPr marL="0" indent="0">
               <a:buNone/>
             </a:pPr>
-            <a:r>
-              <a:rPr lang="en-GB" dirty="0"/>
-              <a:t>Requirements:</a:t>
-            </a:r>
-          </a:p>
-          <a:p>
-            <a:pPr>
+            <a:endParaRPr lang="en-GB" dirty="0"/>
+          </a:p>
+          <a:p>
+            <a:pPr lvl="1">
               <a:buFont typeface="Wingdings" panose="05000000000000000000" pitchFamily="2" charset="2"/>
               <a:buChar char="§"/>
             </a:pPr>
             <a:r>
-              <a:rPr lang="en-GB" dirty="0"/>
-              <a:t>A method for staff at cancer care centres to more accurately log visitors</a:t>
-            </a:r>
-          </a:p>
-          <a:p>
-            <a:pPr>
+              <a:rPr lang="en-GB" sz="2200" dirty="0"/>
+              <a:t>A method for staff at cancer care centres to log visitors more accurately while keeping them anonymous</a:t>
+            </a:r>
+          </a:p>
+          <a:p>
+            <a:pPr lvl="1">
               <a:buFont typeface="Wingdings" panose="05000000000000000000" pitchFamily="2" charset="2"/>
               <a:buChar char="§"/>
             </a:pPr>
             <a:r>
-              <a:rPr lang="en-GB" dirty="0"/>
-              <a:t>Prevent visitors from experiencing a hospital-like environment with forms and imposing questions</a:t>
-            </a:r>
-          </a:p>
-          <a:p>
-            <a:pPr>
+              <a:rPr lang="en-GB" sz="2200" dirty="0"/>
+              <a:t>Preventing visitors from experiencing a hospital-like environment with forms and imposing questions</a:t>
+            </a:r>
+          </a:p>
+          <a:p>
+            <a:pPr lvl="1">
               <a:buFont typeface="Wingdings" panose="05000000000000000000" pitchFamily="2" charset="2"/>
               <a:buChar char="§"/>
             </a:pPr>
             <a:r>
-              <a:rPr lang="en-GB" dirty="0"/>
-              <a:t>Data entry must be quick and easy for staff members with no technical experience</a:t>
-            </a:r>
-          </a:p>
-          <a:p>
-            <a:pPr>
+              <a:rPr lang="en-GB" sz="2200" dirty="0"/>
+              <a:t>Quick and easy data entry for staff members with no technical experience</a:t>
+            </a:r>
+          </a:p>
+          <a:p>
+            <a:pPr lvl="1">
               <a:buFont typeface="Wingdings" panose="05000000000000000000" pitchFamily="2" charset="2"/>
               <a:buChar char="§"/>
             </a:pPr>
             <a:r>
-              <a:rPr lang="en-GB" dirty="0"/>
-              <a:t>Allow for scaling as Maggie’s grows to allow for continued easy data analysis</a:t>
+              <a:rPr lang="en-GB" sz="2200" dirty="0"/>
+              <a:t>Allow scaling as Maggie’s grows to facilitate continued easy data analysis</a:t>
             </a:r>
           </a:p>
         </p:txBody>
@@ -4047,7 +4085,11 @@
           <a:lstStyle/>
           <a:p>
             <a:r>
-              <a:rPr lang="en-GB" dirty="0"/>
+              <a:rPr lang="en-GB" dirty="0">
+                <a:solidFill>
+                  <a:srgbClr val="C00000"/>
+                </a:solidFill>
+              </a:rPr>
               <a:t>our solution:</a:t>
             </a:r>
           </a:p>
@@ -4063,59 +4105,98 @@
             <p:ph idx="1"/>
           </p:nvPr>
         </p:nvSpPr>
-        <p:spPr/>
-        <p:txBody>
-          <a:bodyPr/>
-          <a:lstStyle/>
-          <a:p>
-            <a:pPr>
+        <p:spPr>
+          <a:xfrm>
+            <a:off x="1026942" y="2065542"/>
+            <a:ext cx="10058400" cy="4023360"/>
+          </a:xfrm>
+        </p:spPr>
+        <p:txBody>
+          <a:bodyPr/>
+          <a:lstStyle/>
+          <a:p>
+            <a:pPr marL="201168" lvl="1" indent="0">
+              <a:buNone/>
+            </a:pPr>
+            <a:endParaRPr lang="en-GB" dirty="0"/>
+          </a:p>
+          <a:p>
+            <a:pPr lvl="1">
               <a:buFont typeface="Wingdings" panose="05000000000000000000" pitchFamily="2" charset="2"/>
               <a:buChar char="§"/>
             </a:pPr>
             <a:r>
-              <a:rPr lang="en-GB" dirty="0"/>
-              <a:t>A web app that works on mobile devices</a:t>
-            </a:r>
-          </a:p>
-          <a:p>
-            <a:pPr>
+              <a:rPr lang="en-GB" sz="2200" dirty="0"/>
+              <a:t>A web app that also works on mobile devices</a:t>
+            </a:r>
+          </a:p>
+          <a:p>
+            <a:pPr lvl="1">
               <a:buFont typeface="Wingdings" panose="05000000000000000000" pitchFamily="2" charset="2"/>
               <a:buChar char="§"/>
             </a:pPr>
             <a:r>
-              <a:rPr lang="en-GB" dirty="0"/>
-              <a:t>Built using Django, PostgreSQL and Materialize</a:t>
-            </a:r>
-          </a:p>
-          <a:p>
-            <a:pPr>
+              <a:rPr lang="en-GB" sz="2200" dirty="0"/>
+              <a:t>Built using Python, Django, PostgreSQL and Materialize</a:t>
+            </a:r>
+          </a:p>
+          <a:p>
+            <a:pPr lvl="1">
               <a:buFont typeface="Wingdings" panose="05000000000000000000" pitchFamily="2" charset="2"/>
               <a:buChar char="§"/>
             </a:pPr>
             <a:r>
-              <a:rPr lang="en-GB" dirty="0"/>
-              <a:t>A simple, obvious interface</a:t>
-            </a:r>
-          </a:p>
-          <a:p>
-            <a:pPr>
+              <a:rPr lang="en-GB" sz="2200" dirty="0"/>
+              <a:t>A simple, obvious and user-friendly interface</a:t>
+            </a:r>
+          </a:p>
+          <a:p>
+            <a:pPr lvl="1">
               <a:buFont typeface="Wingdings" panose="05000000000000000000" pitchFamily="2" charset="2"/>
               <a:buChar char="§"/>
             </a:pPr>
             <a:r>
-              <a:rPr lang="en-GB" dirty="0"/>
-              <a:t>A scalable database system that allows for exporting </a:t>
-            </a:r>
-          </a:p>
-          <a:p>
-            <a:pPr>
+              <a:rPr lang="en-GB" sz="2200" dirty="0"/>
+              <a:t>A scalable database system that allows exporting data for specified periods of time </a:t>
+            </a:r>
+          </a:p>
+          <a:p>
+            <a:pPr lvl="1">
               <a:buFont typeface="Wingdings" panose="05000000000000000000" pitchFamily="2" charset="2"/>
               <a:buChar char="§"/>
             </a:pPr>
             <a:r>
-              <a:rPr lang="en-GB" dirty="0"/>
+              <a:rPr lang="en-GB" sz="2200" dirty="0"/>
               <a:t>Predictive form filling based on previous statistics</a:t>
             </a:r>
+          </a:p>
+          <a:p>
+            <a:pPr lvl="1">
+              <a:buFont typeface="Wingdings" panose="05000000000000000000" pitchFamily="2" charset="2"/>
+              <a:buChar char="§"/>
+            </a:pPr>
+            <a:endParaRPr lang="en-GB" dirty="0"/>
+          </a:p>
+          <a:p>
+            <a:pPr lvl="1">
+              <a:buFont typeface="Wingdings" panose="05000000000000000000" pitchFamily="2" charset="2"/>
+              <a:buChar char="§"/>
+            </a:pPr>
+            <a:endParaRPr lang="en-GB" dirty="0"/>
+          </a:p>
+          <a:p>
+            <a:pPr lvl="1">
+              <a:buFont typeface="Wingdings" panose="05000000000000000000" pitchFamily="2" charset="2"/>
+              <a:buChar char="§"/>
+            </a:pPr>
+            <a:endParaRPr lang="en-GB" dirty="0"/>
+          </a:p>
+          <a:p>
+            <a:pPr lvl="1">
+              <a:buFont typeface="Wingdings" panose="05000000000000000000" pitchFamily="2" charset="2"/>
+              <a:buChar char="§"/>
+            </a:pPr>
+            <a:endParaRPr lang="en-GB" dirty="0"/>
           </a:p>
         </p:txBody>
       </p:sp>
@@ -4156,7 +4237,7 @@
             <a:spLocks noGrp="1"/>
           </p:cNvSpPr>
           <p:nvPr>
-            <p:ph type="title"/>
+            <p:ph type="ctrTitle"/>
           </p:nvPr>
         </p:nvSpPr>
         <p:spPr/>
@@ -4164,97 +4245,14 @@
           <a:bodyPr/>
           <a:lstStyle/>
           <a:p>
-            <a:endParaRPr lang="en-GB" dirty="0"/>
-          </a:p>
-        </p:txBody>
-      </p:sp>
-      <p:sp>
-        <p:nvSpPr>
-          <p:cNvPr id="3" name="Content Placeholder 2"/>
-          <p:cNvSpPr>
-            <a:spLocks noGrp="1"/>
-          </p:cNvSpPr>
-          <p:nvPr>
-            <p:ph idx="1"/>
-          </p:nvPr>
-        </p:nvSpPr>
-        <p:spPr/>
-        <p:txBody>
-          <a:bodyPr/>
-          <a:lstStyle/>
-          <a:p>
-            <a:endParaRPr lang="en-GB"/>
-          </a:p>
-        </p:txBody>
-      </p:sp>
-    </p:spTree>
-    <p:extLst>
-      <p:ext uri="{BB962C8B-B14F-4D97-AF65-F5344CB8AC3E}">
-        <p14:creationId xmlns:p14="http://schemas.microsoft.com/office/powerpoint/2010/main" val="1309104531"/>
-      </p:ext>
-    </p:extLst>
-  </p:cSld>
-  <p:clrMapOvr>
-    <a:masterClrMapping/>
-  </p:clrMapOvr>
-</p:sld>
-</file>
-
-<file path=ppt/slides/slide5.xml><?xml version="1.0" encoding="utf-8"?>
-<p:sld xmlns:a="http://schemas.openxmlformats.org/drawingml/2006/main" xmlns:r="http://schemas.openxmlformats.org/officeDocument/2006/relationships" xmlns:p="http://schemas.openxmlformats.org/presentationml/2006/main">
-  <p:cSld>
-    <p:spTree>
-      <p:nvGrpSpPr>
-        <p:cNvPr id="1" name=""/>
-        <p:cNvGrpSpPr/>
-        <p:nvPr/>
-      </p:nvGrpSpPr>
-      <p:grpSpPr>
-        <a:xfrm>
-          <a:off x="0" y="0"/>
-          <a:ext cx="0" cy="0"/>
-          <a:chOff x="0" y="0"/>
-          <a:chExt cx="0" cy="0"/>
-        </a:xfrm>
-      </p:grpSpPr>
-      <p:sp>
-        <p:nvSpPr>
-          <p:cNvPr id="2" name="Title 1"/>
-          <p:cNvSpPr>
-            <a:spLocks noGrp="1"/>
-          </p:cNvSpPr>
-          <p:nvPr>
-            <p:ph type="ctrTitle"/>
-          </p:nvPr>
-        </p:nvSpPr>
-        <p:spPr/>
-        <p:txBody>
-          <a:bodyPr/>
-          <a:lstStyle/>
-          <a:p>
-            <a:r>
-              <a:rPr lang="en-GB" dirty="0"/>
+            <a:r>
+              <a:rPr lang="en-GB" dirty="0">
+                <a:solidFill>
+                  <a:srgbClr val="C00000"/>
+                </a:solidFill>
+              </a:rPr>
               <a:t>demo:</a:t>
             </a:r>
-          </a:p>
-        </p:txBody>
-      </p:sp>
-      <p:sp>
-        <p:nvSpPr>
-          <p:cNvPr id="4" name="Subtitle 3"/>
-          <p:cNvSpPr>
-            <a:spLocks noGrp="1"/>
-          </p:cNvSpPr>
-          <p:nvPr>
-            <p:ph type="subTitle" idx="1"/>
-          </p:nvPr>
-        </p:nvSpPr>
-        <p:spPr/>
-        <p:txBody>
-          <a:bodyPr/>
-          <a:lstStyle/>
-          <a:p>
-            <a:endParaRPr lang="en-GB" dirty="0"/>
           </a:p>
         </p:txBody>
       </p:sp>
